--- a/IntersectionTime.pptx
+++ b/IntersectionTime.pptx
@@ -4,6 +4,9 @@
   <p:sldMasterIdLst>
     <p:sldMasterId id="2147483648" r:id="rId1"/>
   </p:sldMasterIdLst>
+  <p:notesMasterIdLst>
+    <p:notesMasterId r:id="rId3"/>
+  </p:notesMasterIdLst>
   <p:sldIdLst>
     <p:sldId id="256" r:id="rId2"/>
   </p:sldIdLst>
@@ -126,37 +129,7 @@
     </mc:Fallback>
   </mc:AlternateContent>
   <c:chart>
-    <c:title>
-      <c:overlay val="0"/>
-      <c:spPr>
-        <a:noFill/>
-        <a:ln>
-          <a:noFill/>
-        </a:ln>
-        <a:effectLst/>
-      </c:spPr>
-      <c:txPr>
-        <a:bodyPr rot="0" spcFirstLastPara="1" vertOverflow="ellipsis" vert="horz" wrap="square" anchor="ctr" anchorCtr="1"/>
-        <a:lstStyle/>
-        <a:p>
-          <a:pPr>
-            <a:defRPr sz="1400" b="0" i="0" u="none" strike="noStrike" kern="1200" spc="0" baseline="0">
-              <a:solidFill>
-                <a:schemeClr val="tx1">
-                  <a:lumMod val="65000"/>
-                  <a:lumOff val="35000"/>
-                </a:schemeClr>
-              </a:solidFill>
-              <a:latin typeface="+mn-lt"/>
-              <a:ea typeface="+mn-ea"/>
-              <a:cs typeface="+mn-cs"/>
-            </a:defRPr>
-          </a:pPr>
-          <a:endParaRPr lang="ja-JP"/>
-        </a:p>
-      </c:txPr>
-    </c:title>
-    <c:autoTitleDeleted val="0"/>
+    <c:autoTitleDeleted val="1"/>
     <c:plotArea>
       <c:layout/>
       <c:scatterChart>
@@ -177,7 +150,7 @@
             </c:strRef>
           </c:tx>
           <c:spPr>
-            <a:ln w="19050" cap="rnd">
+            <a:ln w="38100" cap="rnd">
               <a:solidFill>
                 <a:schemeClr val="accent1"/>
               </a:solidFill>
@@ -200,6 +173,39 @@
               <a:effectLst/>
             </c:spPr>
           </c:marker>
+          <c:dPt>
+            <c:idx val="5"/>
+            <c:marker>
+              <c:symbol val="circle"/>
+              <c:size val="5"/>
+              <c:spPr>
+                <a:solidFill>
+                  <a:schemeClr val="accent1"/>
+                </a:solidFill>
+                <a:ln w="9525">
+                  <a:solidFill>
+                    <a:schemeClr val="accent1"/>
+                  </a:solidFill>
+                </a:ln>
+                <a:effectLst/>
+              </c:spPr>
+            </c:marker>
+            <c:bubble3D val="0"/>
+            <c:spPr>
+              <a:ln w="38100" cap="rnd">
+                <a:solidFill>
+                  <a:schemeClr val="accent1"/>
+                </a:solidFill>
+                <a:round/>
+              </a:ln>
+              <a:effectLst/>
+            </c:spPr>
+            <c:extLst>
+              <c:ext xmlns:c16="http://schemas.microsoft.com/office/drawing/2014/chart" uri="{C3380CC4-5D6E-409C-BE32-E72D297353CC}">
+                <c16:uniqueId val="{00000001-BAC7-E545-8CC6-EA0BB7087090}"/>
+              </c:ext>
+            </c:extLst>
+          </c:dPt>
           <c:xVal>
             <c:numRef>
               <c:f>Sheet1!$A$2:$A$7</c:f>
@@ -257,7 +263,7 @@
           <c:smooth val="0"/>
           <c:extLst>
             <c:ext xmlns:c16="http://schemas.microsoft.com/office/drawing/2014/chart" uri="{C3380CC4-5D6E-409C-BE32-E72D297353CC}">
-              <c16:uniqueId val="{00000000-80EC-D44F-B1ED-27528D6CD996}"/>
+              <c16:uniqueId val="{00000002-BAC7-E545-8CC6-EA0BB7087090}"/>
             </c:ext>
           </c:extLst>
         </c:ser>
@@ -393,7 +399,6 @@
         <c:axId val="1662945584"/>
         <c:scaling>
           <c:orientation val="minMax"/>
-          <c:max val="200"/>
         </c:scaling>
         <c:delete val="0"/>
         <c:axPos val="l"/>
@@ -411,6 +416,66 @@
             <a:effectLst/>
           </c:spPr>
         </c:majorGridlines>
+        <c:title>
+          <c:tx>
+            <c:rich>
+              <a:bodyPr rot="-5400000" spcFirstLastPara="1" vertOverflow="ellipsis" vert="horz" wrap="square" anchor="ctr" anchorCtr="1"/>
+              <a:lstStyle/>
+              <a:p>
+                <a:pPr>
+                  <a:defRPr sz="1000" b="0" i="0" u="none" strike="noStrike" kern="1200" baseline="0">
+                    <a:solidFill>
+                      <a:schemeClr val="tx1">
+                        <a:lumMod val="65000"/>
+                        <a:lumOff val="35000"/>
+                      </a:schemeClr>
+                    </a:solidFill>
+                    <a:latin typeface="+mn-lt"/>
+                    <a:ea typeface="+mn-ea"/>
+                    <a:cs typeface="+mn-cs"/>
+                  </a:defRPr>
+                </a:pPr>
+                <a:r>
+                  <a:rPr lang="ja-JP" altLang="en-US"/>
+                  <a:t>検証時間</a:t>
+                </a:r>
+                <a:r>
+                  <a:rPr lang="en-US" altLang="ja-JP"/>
+                  <a:t>(s)</a:t>
+                </a:r>
+                <a:endParaRPr lang="ja-JP" altLang="en-US"/>
+              </a:p>
+            </c:rich>
+          </c:tx>
+          <c:overlay val="0"/>
+          <c:spPr>
+            <a:noFill/>
+            <a:ln>
+              <a:noFill/>
+            </a:ln>
+            <a:effectLst/>
+          </c:spPr>
+          <c:txPr>
+            <a:bodyPr rot="-5400000" spcFirstLastPara="1" vertOverflow="ellipsis" vert="horz" wrap="square" anchor="ctr" anchorCtr="1"/>
+            <a:lstStyle/>
+            <a:p>
+              <a:pPr>
+                <a:defRPr sz="1000" b="0" i="0" u="none" strike="noStrike" kern="1200" baseline="0">
+                  <a:solidFill>
+                    <a:schemeClr val="tx1">
+                      <a:lumMod val="65000"/>
+                      <a:lumOff val="35000"/>
+                    </a:schemeClr>
+                  </a:solidFill>
+                  <a:latin typeface="+mn-lt"/>
+                  <a:ea typeface="+mn-ea"/>
+                  <a:cs typeface="+mn-cs"/>
+                </a:defRPr>
+              </a:pPr>
+              <a:endParaRPr lang="ja-JP"/>
+            </a:p>
+          </c:txPr>
+        </c:title>
         <c:numFmt formatCode="General" sourceLinked="1"/>
         <c:majorTickMark val="none"/>
         <c:minorTickMark val="none"/>
@@ -1043,6 +1108,446 @@
 </cs:chartStyle>
 </file>
 
+<file path=ppt/notesMasters/notesMaster1.xml><?xml version="1.0" encoding="utf-8"?>
+<p:notesMaster xmlns:a="http://schemas.openxmlformats.org/drawingml/2006/main" xmlns:r="http://schemas.openxmlformats.org/officeDocument/2006/relationships" xmlns:p="http://schemas.openxmlformats.org/presentationml/2006/main">
+  <p:cSld>
+    <p:bg>
+      <p:bgRef idx="1001">
+        <a:schemeClr val="bg1"/>
+      </p:bgRef>
+    </p:bg>
+    <p:spTree>
+      <p:nvGrpSpPr>
+        <p:cNvPr id="1" name=""/>
+        <p:cNvGrpSpPr/>
+        <p:nvPr/>
+      </p:nvGrpSpPr>
+      <p:grpSpPr>
+        <a:xfrm>
+          <a:off x="0" y="0"/>
+          <a:ext cx="0" cy="0"/>
+          <a:chOff x="0" y="0"/>
+          <a:chExt cx="0" cy="0"/>
+        </a:xfrm>
+      </p:grpSpPr>
+      <p:sp>
+        <p:nvSpPr>
+          <p:cNvPr id="2" name="ヘッダー プレースホルダー 1"/>
+          <p:cNvSpPr>
+            <a:spLocks noGrp="1"/>
+          </p:cNvSpPr>
+          <p:nvPr>
+            <p:ph type="hdr" sz="quarter"/>
+          </p:nvPr>
+        </p:nvSpPr>
+        <p:spPr>
+          <a:xfrm>
+            <a:off x="0" y="0"/>
+            <a:ext cx="2971800" cy="458788"/>
+          </a:xfrm>
+          <a:prstGeom prst="rect">
+            <a:avLst/>
+          </a:prstGeom>
+        </p:spPr>
+        <p:txBody>
+          <a:bodyPr vert="horz" lIns="91440" tIns="45720" rIns="91440" bIns="45720" rtlCol="0"/>
+          <a:lstStyle>
+            <a:lvl1pPr algn="l">
+              <a:defRPr sz="1200"/>
+            </a:lvl1pPr>
+          </a:lstStyle>
+          <a:p>
+            <a:endParaRPr kumimoji="1" lang="ja-JP" altLang="en-US"/>
+          </a:p>
+        </p:txBody>
+      </p:sp>
+      <p:sp>
+        <p:nvSpPr>
+          <p:cNvPr id="3" name="日付プレースホルダー 2"/>
+          <p:cNvSpPr>
+            <a:spLocks noGrp="1"/>
+          </p:cNvSpPr>
+          <p:nvPr>
+            <p:ph type="dt" idx="1"/>
+          </p:nvPr>
+        </p:nvSpPr>
+        <p:spPr>
+          <a:xfrm>
+            <a:off x="3884613" y="0"/>
+            <a:ext cx="2971800" cy="458788"/>
+          </a:xfrm>
+          <a:prstGeom prst="rect">
+            <a:avLst/>
+          </a:prstGeom>
+        </p:spPr>
+        <p:txBody>
+          <a:bodyPr vert="horz" lIns="91440" tIns="45720" rIns="91440" bIns="45720" rtlCol="0"/>
+          <a:lstStyle>
+            <a:lvl1pPr algn="r">
+              <a:defRPr sz="1200"/>
+            </a:lvl1pPr>
+          </a:lstStyle>
+          <a:p>
+            <a:fld id="{F4F038E1-C3B2-B347-8C92-E4A0E78C09DA}" type="datetimeFigureOut">
+              <a:rPr kumimoji="1" lang="ja-JP" altLang="en-US" smtClean="0"/>
+              <a:t>2019/2/11</a:t>
+            </a:fld>
+            <a:endParaRPr kumimoji="1" lang="ja-JP" altLang="en-US"/>
+          </a:p>
+        </p:txBody>
+      </p:sp>
+      <p:sp>
+        <p:nvSpPr>
+          <p:cNvPr id="4" name="スライド イメージ プレースホルダー 3"/>
+          <p:cNvSpPr>
+            <a:spLocks noGrp="1" noRot="1" noChangeAspect="1"/>
+          </p:cNvSpPr>
+          <p:nvPr>
+            <p:ph type="sldImg" idx="2"/>
+          </p:nvPr>
+        </p:nvSpPr>
+        <p:spPr>
+          <a:xfrm>
+            <a:off x="685800" y="1143000"/>
+            <a:ext cx="5486400" cy="3086100"/>
+          </a:xfrm>
+          <a:prstGeom prst="rect">
+            <a:avLst/>
+          </a:prstGeom>
+          <a:noFill/>
+          <a:ln w="12700">
+            <a:solidFill>
+              <a:prstClr val="black"/>
+            </a:solidFill>
+          </a:ln>
+        </p:spPr>
+        <p:txBody>
+          <a:bodyPr vert="horz" lIns="91440" tIns="45720" rIns="91440" bIns="45720" rtlCol="0" anchor="ctr"/>
+          <a:lstStyle/>
+          <a:p>
+            <a:endParaRPr lang="ja-JP" altLang="en-US"/>
+          </a:p>
+        </p:txBody>
+      </p:sp>
+      <p:sp>
+        <p:nvSpPr>
+          <p:cNvPr id="5" name="ノート プレースホルダー 4"/>
+          <p:cNvSpPr>
+            <a:spLocks noGrp="1"/>
+          </p:cNvSpPr>
+          <p:nvPr>
+            <p:ph type="body" sz="quarter" idx="3"/>
+          </p:nvPr>
+        </p:nvSpPr>
+        <p:spPr>
+          <a:xfrm>
+            <a:off x="685800" y="4400550"/>
+            <a:ext cx="5486400" cy="3600450"/>
+          </a:xfrm>
+          <a:prstGeom prst="rect">
+            <a:avLst/>
+          </a:prstGeom>
+        </p:spPr>
+        <p:txBody>
+          <a:bodyPr vert="horz" lIns="91440" tIns="45720" rIns="91440" bIns="45720" rtlCol="0"/>
+          <a:lstStyle/>
+          <a:p>
+            <a:r>
+              <a:rPr kumimoji="1" lang="ja-JP" altLang="en-US"/>
+              <a:t>マスター テキストの書式設定
+第 </a:t>
+            </a:r>
+            <a:r>
+              <a:rPr kumimoji="1" lang="en-US" altLang="ja-JP"/>
+              <a:t>2 </a:t>
+            </a:r>
+            <a:r>
+              <a:rPr kumimoji="1" lang="ja-JP" altLang="en-US"/>
+              <a:t>レベル
+第 </a:t>
+            </a:r>
+            <a:r>
+              <a:rPr kumimoji="1" lang="en-US" altLang="ja-JP"/>
+              <a:t>3 </a:t>
+            </a:r>
+            <a:r>
+              <a:rPr kumimoji="1" lang="ja-JP" altLang="en-US"/>
+              <a:t>レベル
+第 </a:t>
+            </a:r>
+            <a:r>
+              <a:rPr kumimoji="1" lang="en-US" altLang="ja-JP"/>
+              <a:t>4 </a:t>
+            </a:r>
+            <a:r>
+              <a:rPr kumimoji="1" lang="ja-JP" altLang="en-US"/>
+              <a:t>レベル
+第 </a:t>
+            </a:r>
+            <a:r>
+              <a:rPr kumimoji="1" lang="en-US" altLang="ja-JP"/>
+              <a:t>5 </a:t>
+            </a:r>
+            <a:r>
+              <a:rPr kumimoji="1" lang="ja-JP" altLang="en-US"/>
+              <a:t>レベル</a:t>
+            </a:r>
+          </a:p>
+        </p:txBody>
+      </p:sp>
+      <p:sp>
+        <p:nvSpPr>
+          <p:cNvPr id="6" name="フッター プレースホルダー 5"/>
+          <p:cNvSpPr>
+            <a:spLocks noGrp="1"/>
+          </p:cNvSpPr>
+          <p:nvPr>
+            <p:ph type="ftr" sz="quarter" idx="4"/>
+          </p:nvPr>
+        </p:nvSpPr>
+        <p:spPr>
+          <a:xfrm>
+            <a:off x="0" y="8685213"/>
+            <a:ext cx="2971800" cy="458787"/>
+          </a:xfrm>
+          <a:prstGeom prst="rect">
+            <a:avLst/>
+          </a:prstGeom>
+        </p:spPr>
+        <p:txBody>
+          <a:bodyPr vert="horz" lIns="91440" tIns="45720" rIns="91440" bIns="45720" rtlCol="0" anchor="b"/>
+          <a:lstStyle>
+            <a:lvl1pPr algn="l">
+              <a:defRPr sz="1200"/>
+            </a:lvl1pPr>
+          </a:lstStyle>
+          <a:p>
+            <a:endParaRPr kumimoji="1" lang="ja-JP" altLang="en-US"/>
+          </a:p>
+        </p:txBody>
+      </p:sp>
+      <p:sp>
+        <p:nvSpPr>
+          <p:cNvPr id="7" name="スライド番号プレースホルダー 6"/>
+          <p:cNvSpPr>
+            <a:spLocks noGrp="1"/>
+          </p:cNvSpPr>
+          <p:nvPr>
+            <p:ph type="sldNum" sz="quarter" idx="5"/>
+          </p:nvPr>
+        </p:nvSpPr>
+        <p:spPr>
+          <a:xfrm>
+            <a:off x="3884613" y="8685213"/>
+            <a:ext cx="2971800" cy="458787"/>
+          </a:xfrm>
+          <a:prstGeom prst="rect">
+            <a:avLst/>
+          </a:prstGeom>
+        </p:spPr>
+        <p:txBody>
+          <a:bodyPr vert="horz" lIns="91440" tIns="45720" rIns="91440" bIns="45720" rtlCol="0" anchor="b"/>
+          <a:lstStyle>
+            <a:lvl1pPr algn="r">
+              <a:defRPr sz="1200"/>
+            </a:lvl1pPr>
+          </a:lstStyle>
+          <a:p>
+            <a:fld id="{6DDB9F69-0F0F-A14F-B70A-5CEAF22B6F05}" type="slidenum">
+              <a:rPr kumimoji="1" lang="ja-JP" altLang="en-US" smtClean="0"/>
+              <a:t>‹#›</a:t>
+            </a:fld>
+            <a:endParaRPr kumimoji="1" lang="ja-JP" altLang="en-US"/>
+          </a:p>
+        </p:txBody>
+      </p:sp>
+    </p:spTree>
+    <p:extLst>
+      <p:ext uri="{BB962C8B-B14F-4D97-AF65-F5344CB8AC3E}">
+        <p14:creationId xmlns:p14="http://schemas.microsoft.com/office/powerpoint/2010/main" val="3624448455"/>
+      </p:ext>
+    </p:extLst>
+  </p:cSld>
+  <p:clrMap bg1="lt1" tx1="dk1" bg2="lt2" tx2="dk2" accent1="accent1" accent2="accent2" accent3="accent3" accent4="accent4" accent5="accent5" accent6="accent6" hlink="hlink" folHlink="folHlink"/>
+  <p:notesStyle>
+    <a:lvl1pPr marL="0" algn="l" defTabSz="914400" rtl="0" eaLnBrk="1" latinLnBrk="0" hangingPunct="1">
+      <a:defRPr kumimoji="1" sz="1200" kern="1200">
+        <a:solidFill>
+          <a:schemeClr val="tx1"/>
+        </a:solidFill>
+        <a:latin typeface="+mn-lt"/>
+        <a:ea typeface="+mn-ea"/>
+        <a:cs typeface="+mn-cs"/>
+      </a:defRPr>
+    </a:lvl1pPr>
+    <a:lvl2pPr marL="457200" algn="l" defTabSz="914400" rtl="0" eaLnBrk="1" latinLnBrk="0" hangingPunct="1">
+      <a:defRPr kumimoji="1" sz="1200" kern="1200">
+        <a:solidFill>
+          <a:schemeClr val="tx1"/>
+        </a:solidFill>
+        <a:latin typeface="+mn-lt"/>
+        <a:ea typeface="+mn-ea"/>
+        <a:cs typeface="+mn-cs"/>
+      </a:defRPr>
+    </a:lvl2pPr>
+    <a:lvl3pPr marL="914400" algn="l" defTabSz="914400" rtl="0" eaLnBrk="1" latinLnBrk="0" hangingPunct="1">
+      <a:defRPr kumimoji="1" sz="1200" kern="1200">
+        <a:solidFill>
+          <a:schemeClr val="tx1"/>
+        </a:solidFill>
+        <a:latin typeface="+mn-lt"/>
+        <a:ea typeface="+mn-ea"/>
+        <a:cs typeface="+mn-cs"/>
+      </a:defRPr>
+    </a:lvl3pPr>
+    <a:lvl4pPr marL="1371600" algn="l" defTabSz="914400" rtl="0" eaLnBrk="1" latinLnBrk="0" hangingPunct="1">
+      <a:defRPr kumimoji="1" sz="1200" kern="1200">
+        <a:solidFill>
+          <a:schemeClr val="tx1"/>
+        </a:solidFill>
+        <a:latin typeface="+mn-lt"/>
+        <a:ea typeface="+mn-ea"/>
+        <a:cs typeface="+mn-cs"/>
+      </a:defRPr>
+    </a:lvl4pPr>
+    <a:lvl5pPr marL="1828800" algn="l" defTabSz="914400" rtl="0" eaLnBrk="1" latinLnBrk="0" hangingPunct="1">
+      <a:defRPr kumimoji="1" sz="1200" kern="1200">
+        <a:solidFill>
+          <a:schemeClr val="tx1"/>
+        </a:solidFill>
+        <a:latin typeface="+mn-lt"/>
+        <a:ea typeface="+mn-ea"/>
+        <a:cs typeface="+mn-cs"/>
+      </a:defRPr>
+    </a:lvl5pPr>
+    <a:lvl6pPr marL="2286000" algn="l" defTabSz="914400" rtl="0" eaLnBrk="1" latinLnBrk="0" hangingPunct="1">
+      <a:defRPr kumimoji="1" sz="1200" kern="1200">
+        <a:solidFill>
+          <a:schemeClr val="tx1"/>
+        </a:solidFill>
+        <a:latin typeface="+mn-lt"/>
+        <a:ea typeface="+mn-ea"/>
+        <a:cs typeface="+mn-cs"/>
+      </a:defRPr>
+    </a:lvl6pPr>
+    <a:lvl7pPr marL="2743200" algn="l" defTabSz="914400" rtl="0" eaLnBrk="1" latinLnBrk="0" hangingPunct="1">
+      <a:defRPr kumimoji="1" sz="1200" kern="1200">
+        <a:solidFill>
+          <a:schemeClr val="tx1"/>
+        </a:solidFill>
+        <a:latin typeface="+mn-lt"/>
+        <a:ea typeface="+mn-ea"/>
+        <a:cs typeface="+mn-cs"/>
+      </a:defRPr>
+    </a:lvl7pPr>
+    <a:lvl8pPr marL="3200400" algn="l" defTabSz="914400" rtl="0" eaLnBrk="1" latinLnBrk="0" hangingPunct="1">
+      <a:defRPr kumimoji="1" sz="1200" kern="1200">
+        <a:solidFill>
+          <a:schemeClr val="tx1"/>
+        </a:solidFill>
+        <a:latin typeface="+mn-lt"/>
+        <a:ea typeface="+mn-ea"/>
+        <a:cs typeface="+mn-cs"/>
+      </a:defRPr>
+    </a:lvl8pPr>
+    <a:lvl9pPr marL="3657600" algn="l" defTabSz="914400" rtl="0" eaLnBrk="1" latinLnBrk="0" hangingPunct="1">
+      <a:defRPr kumimoji="1" sz="1200" kern="1200">
+        <a:solidFill>
+          <a:schemeClr val="tx1"/>
+        </a:solidFill>
+        <a:latin typeface="+mn-lt"/>
+        <a:ea typeface="+mn-ea"/>
+        <a:cs typeface="+mn-cs"/>
+      </a:defRPr>
+    </a:lvl9pPr>
+  </p:notesStyle>
+</p:notesMaster>
+</file>
+
+<file path=ppt/notesSlides/notesSlide1.xml><?xml version="1.0" encoding="utf-8"?>
+<p:notes xmlns:a="http://schemas.openxmlformats.org/drawingml/2006/main" xmlns:r="http://schemas.openxmlformats.org/officeDocument/2006/relationships" xmlns:p="http://schemas.openxmlformats.org/presentationml/2006/main">
+  <p:cSld>
+    <p:spTree>
+      <p:nvGrpSpPr>
+        <p:cNvPr id="1" name=""/>
+        <p:cNvGrpSpPr/>
+        <p:nvPr/>
+      </p:nvGrpSpPr>
+      <p:grpSpPr>
+        <a:xfrm>
+          <a:off x="0" y="0"/>
+          <a:ext cx="0" cy="0"/>
+          <a:chOff x="0" y="0"/>
+          <a:chExt cx="0" cy="0"/>
+        </a:xfrm>
+      </p:grpSpPr>
+      <p:sp>
+        <p:nvSpPr>
+          <p:cNvPr id="2" name="スライド イメージ プレースホルダー 1"/>
+          <p:cNvSpPr>
+            <a:spLocks noGrp="1" noRot="1" noChangeAspect="1"/>
+          </p:cNvSpPr>
+          <p:nvPr>
+            <p:ph type="sldImg"/>
+          </p:nvPr>
+        </p:nvSpPr>
+        <p:spPr/>
+      </p:sp>
+      <p:sp>
+        <p:nvSpPr>
+          <p:cNvPr id="3" name="ノート プレースホルダー 2"/>
+          <p:cNvSpPr>
+            <a:spLocks noGrp="1"/>
+          </p:cNvSpPr>
+          <p:nvPr>
+            <p:ph type="body" idx="1"/>
+          </p:nvPr>
+        </p:nvSpPr>
+        <p:spPr/>
+        <p:txBody>
+          <a:bodyPr/>
+          <a:lstStyle/>
+          <a:p>
+            <a:endParaRPr kumimoji="1" lang="ja-JP" altLang="en-US"/>
+          </a:p>
+        </p:txBody>
+      </p:sp>
+      <p:sp>
+        <p:nvSpPr>
+          <p:cNvPr id="4" name="スライド番号プレースホルダー 3"/>
+          <p:cNvSpPr>
+            <a:spLocks noGrp="1"/>
+          </p:cNvSpPr>
+          <p:nvPr>
+            <p:ph type="sldNum" sz="quarter" idx="5"/>
+          </p:nvPr>
+        </p:nvSpPr>
+        <p:spPr/>
+        <p:txBody>
+          <a:bodyPr/>
+          <a:lstStyle/>
+          <a:p>
+            <a:fld id="{6DDB9F69-0F0F-A14F-B70A-5CEAF22B6F05}" type="slidenum">
+              <a:rPr kumimoji="1" lang="ja-JP" altLang="en-US" smtClean="0"/>
+              <a:t>1</a:t>
+            </a:fld>
+            <a:endParaRPr kumimoji="1" lang="ja-JP" altLang="en-US"/>
+          </a:p>
+        </p:txBody>
+      </p:sp>
+    </p:spTree>
+    <p:extLst>
+      <p:ext uri="{BB962C8B-B14F-4D97-AF65-F5344CB8AC3E}">
+        <p14:creationId xmlns:p14="http://schemas.microsoft.com/office/powerpoint/2010/main" val="3006919096"/>
+      </p:ext>
+    </p:extLst>
+  </p:cSld>
+  <p:clrMapOvr>
+    <a:masterClrMapping/>
+  </p:clrMapOvr>
+</p:notes>
+</file>
+
 <file path=ppt/slideLayouts/slideLayout1.xml><?xml version="1.0" encoding="utf-8"?>
 <p:sldLayout xmlns:a="http://schemas.openxmlformats.org/drawingml/2006/main" xmlns:r="http://schemas.openxmlformats.org/officeDocument/2006/relationships" xmlns:p="http://schemas.openxmlformats.org/presentationml/2006/main" type="title" preserve="1">
   <p:cSld name="タイトル スライド">
@@ -1190,7 +1695,7 @@
           <a:p>
             <a:fld id="{405D4847-BE6E-244E-B1DA-84355843D975}" type="datetimeFigureOut">
               <a:rPr kumimoji="1" lang="ja-JP" altLang="en-US" smtClean="0"/>
-              <a:t>2019/2/7</a:t>
+              <a:t>2019/2/11</a:t>
             </a:fld>
             <a:endParaRPr kumimoji="1" lang="ja-JP" altLang="en-US"/>
           </a:p>
@@ -1395,7 +1900,7 @@
           <a:p>
             <a:fld id="{405D4847-BE6E-244E-B1DA-84355843D975}" type="datetimeFigureOut">
               <a:rPr kumimoji="1" lang="ja-JP" altLang="en-US" smtClean="0"/>
-              <a:t>2019/2/7</a:t>
+              <a:t>2019/2/11</a:t>
             </a:fld>
             <a:endParaRPr kumimoji="1" lang="ja-JP" altLang="en-US"/>
           </a:p>
@@ -1610,7 +2115,7 @@
           <a:p>
             <a:fld id="{405D4847-BE6E-244E-B1DA-84355843D975}" type="datetimeFigureOut">
               <a:rPr kumimoji="1" lang="ja-JP" altLang="en-US" smtClean="0"/>
-              <a:t>2019/2/7</a:t>
+              <a:t>2019/2/11</a:t>
             </a:fld>
             <a:endParaRPr kumimoji="1" lang="ja-JP" altLang="en-US"/>
           </a:p>
@@ -1815,7 +2320,7 @@
           <a:p>
             <a:fld id="{405D4847-BE6E-244E-B1DA-84355843D975}" type="datetimeFigureOut">
               <a:rPr kumimoji="1" lang="ja-JP" altLang="en-US" smtClean="0"/>
-              <a:t>2019/2/7</a:t>
+              <a:t>2019/2/11</a:t>
             </a:fld>
             <a:endParaRPr kumimoji="1" lang="ja-JP" altLang="en-US"/>
           </a:p>
@@ -2125,7 +2630,7 @@
           <a:p>
             <a:fld id="{405D4847-BE6E-244E-B1DA-84355843D975}" type="datetimeFigureOut">
               <a:rPr kumimoji="1" lang="ja-JP" altLang="en-US" smtClean="0"/>
-              <a:t>2019/2/7</a:t>
+              <a:t>2019/2/11</a:t>
             </a:fld>
             <a:endParaRPr kumimoji="1" lang="ja-JP" altLang="en-US"/>
           </a:p>
@@ -2404,7 +2909,7 @@
           <a:p>
             <a:fld id="{405D4847-BE6E-244E-B1DA-84355843D975}" type="datetimeFigureOut">
               <a:rPr kumimoji="1" lang="ja-JP" altLang="en-US" smtClean="0"/>
-              <a:t>2019/2/7</a:t>
+              <a:t>2019/2/11</a:t>
             </a:fld>
             <a:endParaRPr kumimoji="1" lang="ja-JP" altLang="en-US"/>
           </a:p>
@@ -2900,7 +3405,7 @@
           <a:p>
             <a:fld id="{405D4847-BE6E-244E-B1DA-84355843D975}" type="datetimeFigureOut">
               <a:rPr kumimoji="1" lang="ja-JP" altLang="en-US" smtClean="0"/>
-              <a:t>2019/2/7</a:t>
+              <a:t>2019/2/11</a:t>
             </a:fld>
             <a:endParaRPr kumimoji="1" lang="ja-JP" altLang="en-US"/>
           </a:p>
@@ -3041,7 +3546,7 @@
           <a:p>
             <a:fld id="{405D4847-BE6E-244E-B1DA-84355843D975}" type="datetimeFigureOut">
               <a:rPr kumimoji="1" lang="ja-JP" altLang="en-US" smtClean="0"/>
-              <a:t>2019/2/7</a:t>
+              <a:t>2019/2/11</a:t>
             </a:fld>
             <a:endParaRPr kumimoji="1" lang="ja-JP" altLang="en-US"/>
           </a:p>
@@ -3154,7 +3659,7 @@
           <a:p>
             <a:fld id="{405D4847-BE6E-244E-B1DA-84355843D975}" type="datetimeFigureOut">
               <a:rPr kumimoji="1" lang="ja-JP" altLang="en-US" smtClean="0"/>
-              <a:t>2019/2/7</a:t>
+              <a:t>2019/2/11</a:t>
             </a:fld>
             <a:endParaRPr kumimoji="1" lang="ja-JP" altLang="en-US"/>
           </a:p>
@@ -3507,7 +4012,7 @@
           <a:p>
             <a:fld id="{405D4847-BE6E-244E-B1DA-84355843D975}" type="datetimeFigureOut">
               <a:rPr kumimoji="1" lang="ja-JP" altLang="en-US" smtClean="0"/>
-              <a:t>2019/2/7</a:t>
+              <a:t>2019/2/11</a:t>
             </a:fld>
             <a:endParaRPr kumimoji="1" lang="ja-JP" altLang="en-US"/>
           </a:p>
@@ -3830,7 +4335,7 @@
           <a:p>
             <a:fld id="{405D4847-BE6E-244E-B1DA-84355843D975}" type="datetimeFigureOut">
               <a:rPr kumimoji="1" lang="ja-JP" altLang="en-US" smtClean="0"/>
-              <a:t>2019/2/7</a:t>
+              <a:t>2019/2/11</a:t>
             </a:fld>
             <a:endParaRPr kumimoji="1" lang="ja-JP" altLang="en-US"/>
           </a:p>
@@ -4078,7 +4583,7 @@
           <a:p>
             <a:fld id="{405D4847-BE6E-244E-B1DA-84355843D975}" type="datetimeFigureOut">
               <a:rPr kumimoji="1" lang="ja-JP" altLang="en-US" smtClean="0"/>
-              <a:t>2019/2/7</a:t>
+              <a:t>2019/2/11</a:t>
             </a:fld>
             <a:endParaRPr kumimoji="1" lang="ja-JP" altLang="en-US"/>
           </a:p>
@@ -4510,7 +5015,7 @@
           <p:nvPr/>
         </p:nvPicPr>
         <p:blipFill>
-          <a:blip r:embed="rId2"/>
+          <a:blip r:embed="rId3"/>
           <a:stretch>
             <a:fillRect/>
           </a:stretch>
@@ -4540,7 +5045,7 @@
           <p:nvPr/>
         </p:nvPicPr>
         <p:blipFill>
-          <a:blip r:embed="rId3"/>
+          <a:blip r:embed="rId4"/>
           <a:stretch>
             <a:fillRect/>
           </a:stretch>
@@ -4570,7 +5075,7 @@
           <p:nvPr/>
         </p:nvPicPr>
         <p:blipFill>
-          <a:blip r:embed="rId4"/>
+          <a:blip r:embed="rId5"/>
           <a:stretch>
             <a:fillRect/>
           </a:stretch>
@@ -4600,7 +5105,7 @@
           <p:nvPr/>
         </p:nvPicPr>
         <p:blipFill>
-          <a:blip r:embed="rId5"/>
+          <a:blip r:embed="rId6"/>
           <a:stretch>
             <a:fillRect/>
           </a:stretch>
@@ -4630,7 +5135,7 @@
           <p:nvPr/>
         </p:nvPicPr>
         <p:blipFill>
-          <a:blip r:embed="rId6"/>
+          <a:blip r:embed="rId7"/>
           <a:stretch>
             <a:fillRect/>
           </a:stretch>
@@ -4660,7 +5165,7 @@
           <p:nvPr/>
         </p:nvPicPr>
         <p:blipFill>
-          <a:blip r:embed="rId7"/>
+          <a:blip r:embed="rId8"/>
           <a:stretch>
             <a:fillRect/>
           </a:stretch>
@@ -4677,7 +5182,7 @@
       </p:pic>
       <p:graphicFrame>
         <p:nvGraphicFramePr>
-          <p:cNvPr id="8" name="グラフ 7">
+          <p:cNvPr id="10" name="グラフ 9">
             <a:extLst>
               <a:ext uri="{FF2B5EF4-FFF2-40B4-BE49-F238E27FC236}">
                 <a16:creationId xmlns:a16="http://schemas.microsoft.com/office/drawing/2014/main" id="{826AB4E8-05AA-6448-8C09-7D52179B2087}"/>
@@ -4690,18 +5195,18 @@
           <p:nvPr>
             <p:extLst>
               <p:ext uri="{D42A27DB-BD31-4B8C-83A1-F6EECF244321}">
-                <p14:modId xmlns:p14="http://schemas.microsoft.com/office/powerpoint/2010/main" val="2813976997"/>
+                <p14:modId xmlns:p14="http://schemas.microsoft.com/office/powerpoint/2010/main" val="1527911841"/>
               </p:ext>
             </p:extLst>
           </p:nvPr>
         </p:nvGraphicFramePr>
         <p:xfrm>
-          <a:off x="5942651" y="424194"/>
-          <a:ext cx="5911850" cy="5346700"/>
+          <a:off x="5986831" y="932659"/>
+          <a:ext cx="5946043" cy="5346700"/>
         </p:xfrm>
         <a:graphic>
           <a:graphicData uri="http://schemas.openxmlformats.org/drawingml/2006/chart">
-            <c:chart xmlns:c="http://schemas.openxmlformats.org/drawingml/2006/chart" xmlns:r="http://schemas.openxmlformats.org/officeDocument/2006/relationships" r:id="rId8"/>
+            <c:chart xmlns:c="http://schemas.openxmlformats.org/drawingml/2006/chart" xmlns:r="http://schemas.openxmlformats.org/officeDocument/2006/relationships" r:id="rId9"/>
           </a:graphicData>
         </a:graphic>
       </p:graphicFrame>
@@ -4719,7 +5224,7 @@
         </p:nvSpPr>
         <p:spPr>
           <a:xfrm>
-            <a:off x="8277101" y="1106046"/>
+            <a:off x="8767935" y="729234"/>
             <a:ext cx="2006930" cy="1352146"/>
           </a:xfrm>
           <a:prstGeom prst="wedgeEllipseCallout">
@@ -5074,4 +5579,299 @@
     </a:ext>
   </a:extLst>
 </a:theme>
+</file>
+
+<file path=ppt/theme/theme2.xml><?xml version="1.0" encoding="utf-8"?>
+<a:theme xmlns:a="http://schemas.openxmlformats.org/drawingml/2006/main" name="Office テーマ">
+  <a:themeElements>
+    <a:clrScheme name="Office">
+      <a:dk1>
+        <a:sysClr val="windowText" lastClr="000000"/>
+      </a:dk1>
+      <a:lt1>
+        <a:sysClr val="window" lastClr="FFFFFF"/>
+      </a:lt1>
+      <a:dk2>
+        <a:srgbClr val="44546A"/>
+      </a:dk2>
+      <a:lt2>
+        <a:srgbClr val="E7E6E6"/>
+      </a:lt2>
+      <a:accent1>
+        <a:srgbClr val="4472C4"/>
+      </a:accent1>
+      <a:accent2>
+        <a:srgbClr val="ED7D31"/>
+      </a:accent2>
+      <a:accent3>
+        <a:srgbClr val="A5A5A5"/>
+      </a:accent3>
+      <a:accent4>
+        <a:srgbClr val="FFC000"/>
+      </a:accent4>
+      <a:accent5>
+        <a:srgbClr val="5B9BD5"/>
+      </a:accent5>
+      <a:accent6>
+        <a:srgbClr val="70AD47"/>
+      </a:accent6>
+      <a:hlink>
+        <a:srgbClr val="0563C1"/>
+      </a:hlink>
+      <a:folHlink>
+        <a:srgbClr val="954F72"/>
+      </a:folHlink>
+    </a:clrScheme>
+    <a:fontScheme name="Office">
+      <a:majorFont>
+        <a:latin typeface="游ゴシック Light" panose="020F0302020204030204"/>
+        <a:ea typeface=""/>
+        <a:cs typeface=""/>
+        <a:font script="Jpan" typeface="游ゴシック Light"/>
+        <a:font script="Hang" typeface="맑은 고딕"/>
+        <a:font script="Hans" typeface="等线 Light"/>
+        <a:font script="Hant" typeface="新細明體"/>
+        <a:font script="Arab" typeface="Times New Roman"/>
+        <a:font script="Hebr" typeface="Times New Roman"/>
+        <a:font script="Thai" typeface="Angsana New"/>
+        <a:font script="Ethi" typeface="Nyala"/>
+        <a:font script="Beng" typeface="Vrinda"/>
+        <a:font script="Gujr" typeface="Shruti"/>
+        <a:font script="Khmr" typeface="MoolBoran"/>
+        <a:font script="Knda" typeface="Tunga"/>
+        <a:font script="Guru" typeface="Raavi"/>
+        <a:font script="Cans" typeface="Euphemia"/>
+        <a:font script="Cher" typeface="Plantagenet Cherokee"/>
+        <a:font script="Yiii" typeface="Microsoft Yi Baiti"/>
+        <a:font script="Tibt" typeface="Microsoft Himalaya"/>
+        <a:font script="Thaa" typeface="MV Boli"/>
+        <a:font script="Deva" typeface="Mangal"/>
+        <a:font script="Telu" typeface="Gautami"/>
+        <a:font script="Taml" typeface="Latha"/>
+        <a:font script="Syrc" typeface="Estrangelo Edessa"/>
+        <a:font script="Orya" typeface="Kalinga"/>
+        <a:font script="Mlym" typeface="Kartika"/>
+        <a:font script="Laoo" typeface="DokChampa"/>
+        <a:font script="Sinh" typeface="Iskoola Pota"/>
+        <a:font script="Mong" typeface="Mongolian Baiti"/>
+        <a:font script="Viet" typeface="Times New Roman"/>
+        <a:font script="Uigh" typeface="Microsoft Uighur"/>
+        <a:font script="Geor" typeface="Sylfaen"/>
+        <a:font script="Armn" typeface="Arial"/>
+        <a:font script="Bugi" typeface="Leelawadee UI"/>
+        <a:font script="Bopo" typeface="Microsoft JhengHei"/>
+        <a:font script="Java" typeface="Javanese Text"/>
+        <a:font script="Lisu" typeface="Segoe UI"/>
+        <a:font script="Mymr" typeface="Myanmar Text"/>
+        <a:font script="Nkoo" typeface="Ebrima"/>
+        <a:font script="Olck" typeface="Nirmala UI"/>
+        <a:font script="Osma" typeface="Ebrima"/>
+        <a:font script="Phag" typeface="Phagspa"/>
+        <a:font script="Syrn" typeface="Estrangelo Edessa"/>
+        <a:font script="Syrj" typeface="Estrangelo Edessa"/>
+        <a:font script="Syre" typeface="Estrangelo Edessa"/>
+        <a:font script="Sora" typeface="Nirmala UI"/>
+        <a:font script="Tale" typeface="Microsoft Tai Le"/>
+        <a:font script="Talu" typeface="Microsoft New Tai Lue"/>
+        <a:font script="Tfng" typeface="Ebrima"/>
+      </a:majorFont>
+      <a:minorFont>
+        <a:latin typeface="游ゴシック" panose="020F0502020204030204"/>
+        <a:ea typeface=""/>
+        <a:cs typeface=""/>
+        <a:font script="Jpan" typeface="游ゴシック"/>
+        <a:font script="Hang" typeface="맑은 고딕"/>
+        <a:font script="Hans" typeface="等线"/>
+        <a:font script="Hant" typeface="新細明體"/>
+        <a:font script="Arab" typeface="Arial"/>
+        <a:font script="Hebr" typeface="Arial"/>
+        <a:font script="Thai" typeface="Cordia New"/>
+        <a:font script="Ethi" typeface="Nyala"/>
+        <a:font script="Beng" typeface="Vrinda"/>
+        <a:font script="Gujr" typeface="Shruti"/>
+        <a:font script="Khmr" typeface="DaunPenh"/>
+        <a:font script="Knda" typeface="Tunga"/>
+        <a:font script="Guru" typeface="Raavi"/>
+        <a:font script="Cans" typeface="Euphemia"/>
+        <a:font script="Cher" typeface="Plantagenet Cherokee"/>
+        <a:font script="Yiii" typeface="Microsoft Yi Baiti"/>
+        <a:font script="Tibt" typeface="Microsoft Himalaya"/>
+        <a:font script="Thaa" typeface="MV Boli"/>
+        <a:font script="Deva" typeface="Mangal"/>
+        <a:font script="Telu" typeface="Gautami"/>
+        <a:font script="Taml" typeface="Latha"/>
+        <a:font script="Syrc" typeface="Estrangelo Edessa"/>
+        <a:font script="Orya" typeface="Kalinga"/>
+        <a:font script="Mlym" typeface="Kartika"/>
+        <a:font script="Laoo" typeface="DokChampa"/>
+        <a:font script="Sinh" typeface="Iskoola Pota"/>
+        <a:font script="Mong" typeface="Mongolian Baiti"/>
+        <a:font script="Viet" typeface="Arial"/>
+        <a:font script="Uigh" typeface="Microsoft Uighur"/>
+        <a:font script="Geor" typeface="Sylfaen"/>
+        <a:font script="Armn" typeface="Arial"/>
+        <a:font script="Bugi" typeface="Leelawadee UI"/>
+        <a:font script="Bopo" typeface="Microsoft JhengHei"/>
+        <a:font script="Java" typeface="Javanese Text"/>
+        <a:font script="Lisu" typeface="Segoe UI"/>
+        <a:font script="Mymr" typeface="Myanmar Text"/>
+        <a:font script="Nkoo" typeface="Ebrima"/>
+        <a:font script="Olck" typeface="Nirmala UI"/>
+        <a:font script="Osma" typeface="Ebrima"/>
+        <a:font script="Phag" typeface="Phagspa"/>
+        <a:font script="Syrn" typeface="Estrangelo Edessa"/>
+        <a:font script="Syrj" typeface="Estrangelo Edessa"/>
+        <a:font script="Syre" typeface="Estrangelo Edessa"/>
+        <a:font script="Sora" typeface="Nirmala UI"/>
+        <a:font script="Tale" typeface="Microsoft Tai Le"/>
+        <a:font script="Talu" typeface="Microsoft New Tai Lue"/>
+        <a:font script="Tfng" typeface="Ebrima"/>
+      </a:minorFont>
+    </a:fontScheme>
+    <a:fmtScheme name="Office">
+      <a:fillStyleLst>
+        <a:solidFill>
+          <a:schemeClr val="phClr"/>
+        </a:solidFill>
+        <a:gradFill rotWithShape="1">
+          <a:gsLst>
+            <a:gs pos="0">
+              <a:schemeClr val="phClr">
+                <a:lumMod val="110000"/>
+                <a:satMod val="105000"/>
+                <a:tint val="67000"/>
+              </a:schemeClr>
+            </a:gs>
+            <a:gs pos="50000">
+              <a:schemeClr val="phClr">
+                <a:lumMod val="105000"/>
+                <a:satMod val="103000"/>
+                <a:tint val="73000"/>
+              </a:schemeClr>
+            </a:gs>
+            <a:gs pos="100000">
+              <a:schemeClr val="phClr">
+                <a:lumMod val="105000"/>
+                <a:satMod val="109000"/>
+                <a:tint val="81000"/>
+              </a:schemeClr>
+            </a:gs>
+          </a:gsLst>
+          <a:lin ang="5400000" scaled="0"/>
+        </a:gradFill>
+        <a:gradFill rotWithShape="1">
+          <a:gsLst>
+            <a:gs pos="0">
+              <a:schemeClr val="phClr">
+                <a:satMod val="103000"/>
+                <a:lumMod val="102000"/>
+                <a:tint val="94000"/>
+              </a:schemeClr>
+            </a:gs>
+            <a:gs pos="50000">
+              <a:schemeClr val="phClr">
+                <a:satMod val="110000"/>
+                <a:lumMod val="100000"/>
+                <a:shade val="100000"/>
+              </a:schemeClr>
+            </a:gs>
+            <a:gs pos="100000">
+              <a:schemeClr val="phClr">
+                <a:lumMod val="99000"/>
+                <a:satMod val="120000"/>
+                <a:shade val="78000"/>
+              </a:schemeClr>
+            </a:gs>
+          </a:gsLst>
+          <a:lin ang="5400000" scaled="0"/>
+        </a:gradFill>
+      </a:fillStyleLst>
+      <a:lnStyleLst>
+        <a:ln w="6350" cap="flat" cmpd="sng" algn="ctr">
+          <a:solidFill>
+            <a:schemeClr val="phClr"/>
+          </a:solidFill>
+          <a:prstDash val="solid"/>
+          <a:miter lim="800000"/>
+        </a:ln>
+        <a:ln w="12700" cap="flat" cmpd="sng" algn="ctr">
+          <a:solidFill>
+            <a:schemeClr val="phClr"/>
+          </a:solidFill>
+          <a:prstDash val="solid"/>
+          <a:miter lim="800000"/>
+        </a:ln>
+        <a:ln w="19050" cap="flat" cmpd="sng" algn="ctr">
+          <a:solidFill>
+            <a:schemeClr val="phClr"/>
+          </a:solidFill>
+          <a:prstDash val="solid"/>
+          <a:miter lim="800000"/>
+        </a:ln>
+      </a:lnStyleLst>
+      <a:effectStyleLst>
+        <a:effectStyle>
+          <a:effectLst/>
+        </a:effectStyle>
+        <a:effectStyle>
+          <a:effectLst/>
+        </a:effectStyle>
+        <a:effectStyle>
+          <a:effectLst>
+            <a:outerShdw blurRad="57150" dist="19050" dir="5400000" algn="ctr" rotWithShape="0">
+              <a:srgbClr val="000000">
+                <a:alpha val="63000"/>
+              </a:srgbClr>
+            </a:outerShdw>
+          </a:effectLst>
+        </a:effectStyle>
+      </a:effectStyleLst>
+      <a:bgFillStyleLst>
+        <a:solidFill>
+          <a:schemeClr val="phClr"/>
+        </a:solidFill>
+        <a:solidFill>
+          <a:schemeClr val="phClr">
+            <a:tint val="95000"/>
+            <a:satMod val="170000"/>
+          </a:schemeClr>
+        </a:solidFill>
+        <a:gradFill rotWithShape="1">
+          <a:gsLst>
+            <a:gs pos="0">
+              <a:schemeClr val="phClr">
+                <a:tint val="93000"/>
+                <a:satMod val="150000"/>
+                <a:shade val="98000"/>
+                <a:lumMod val="102000"/>
+              </a:schemeClr>
+            </a:gs>
+            <a:gs pos="50000">
+              <a:schemeClr val="phClr">
+                <a:tint val="98000"/>
+                <a:satMod val="130000"/>
+                <a:shade val="90000"/>
+                <a:lumMod val="103000"/>
+              </a:schemeClr>
+            </a:gs>
+            <a:gs pos="100000">
+              <a:schemeClr val="phClr">
+                <a:shade val="63000"/>
+                <a:satMod val="120000"/>
+              </a:schemeClr>
+            </a:gs>
+          </a:gsLst>
+          <a:lin ang="5400000" scaled="0"/>
+        </a:gradFill>
+      </a:bgFillStyleLst>
+    </a:fmtScheme>
+  </a:themeElements>
+  <a:objectDefaults/>
+  <a:extraClrSchemeLst/>
+  <a:extLst>
+    <a:ext uri="{05A4C25C-085E-4340-85A3-A5531E510DB2}">
+      <thm15:themeFamily xmlns:thm15="http://schemas.microsoft.com/office/thememl/2012/main" name="Office Theme" id="{62F939B6-93AF-4DB8-9C6B-D6C7DFDC589F}" vid="{4A3C46E8-61CC-4603-A589-7422A47A8E4A}"/>
+    </a:ext>
+  </a:extLst>
+</a:theme>
 </file>